--- a/LectureNotes/01장_머신러닝이란.pptx
+++ b/LectureNotes/01장_머신러닝이란.pptx
@@ -4,6 +4,9 @@
   <p:sldMasterIdLst>
     <p:sldMasterId id="2147483648" r:id="rId4"/>
   </p:sldMasterIdLst>
+  <p:notesMasterIdLst>
+    <p:notesMasterId r:id="rId26"/>
+  </p:notesMasterIdLst>
   <p:sldIdLst>
     <p:sldId id="257" r:id="rId5"/>
     <p:sldId id="258" r:id="rId6"/>
@@ -567,6 +570,356 @@
 </pc:chgInfo>
 </file>
 
+<file path=ppt/notesMasters/notesMaster1.xml><?xml version="1.0" encoding="utf-8"?>
+<p:notesMaster xmlns:a="http://schemas.openxmlformats.org/drawingml/2006/main" xmlns:r="http://schemas.openxmlformats.org/officeDocument/2006/relationships" xmlns:p="http://schemas.openxmlformats.org/presentationml/2006/main">
+  <p:cSld>
+    <p:bg>
+      <p:bgRef idx="1001">
+        <a:schemeClr val="bg1"/>
+      </p:bgRef>
+    </p:bg>
+    <p:spTree>
+      <p:nvGrpSpPr>
+        <p:cNvPr id="1" name=""/>
+        <p:cNvGrpSpPr/>
+        <p:nvPr/>
+      </p:nvGrpSpPr>
+      <p:grpSpPr>
+        <a:xfrm>
+          <a:off x="0" y="0"/>
+          <a:ext cx="0" cy="0"/>
+          <a:chOff x="0" y="0"/>
+          <a:chExt cx="0" cy="0"/>
+        </a:xfrm>
+      </p:grpSpPr>
+      <p:sp>
+        <p:nvSpPr>
+          <p:cNvPr id="2" name="머리글 개체 틀 1"/>
+          <p:cNvSpPr>
+            <a:spLocks noGrp="1"/>
+          </p:cNvSpPr>
+          <p:nvPr>
+            <p:ph type="hdr" sz="quarter"/>
+          </p:nvPr>
+        </p:nvSpPr>
+        <p:spPr>
+          <a:xfrm>
+            <a:off x="0" y="0"/>
+            <a:ext cx="2971800" cy="458788"/>
+          </a:xfrm>
+          <a:prstGeom prst="rect">
+            <a:avLst/>
+          </a:prstGeom>
+        </p:spPr>
+        <p:txBody>
+          <a:bodyPr vert="horz" lIns="91440" tIns="45720" rIns="91440" bIns="45720" rtlCol="0"/>
+          <a:lstStyle>
+            <a:lvl1pPr algn="l">
+              <a:defRPr sz="1200"/>
+            </a:lvl1pPr>
+          </a:lstStyle>
+          <a:p>
+            <a:endParaRPr lang="ko-KR" altLang="en-US"/>
+          </a:p>
+        </p:txBody>
+      </p:sp>
+      <p:sp>
+        <p:nvSpPr>
+          <p:cNvPr id="3" name="날짜 개체 틀 2"/>
+          <p:cNvSpPr>
+            <a:spLocks noGrp="1"/>
+          </p:cNvSpPr>
+          <p:nvPr>
+            <p:ph type="dt" idx="1"/>
+          </p:nvPr>
+        </p:nvSpPr>
+        <p:spPr>
+          <a:xfrm>
+            <a:off x="3884613" y="0"/>
+            <a:ext cx="2971800" cy="458788"/>
+          </a:xfrm>
+          <a:prstGeom prst="rect">
+            <a:avLst/>
+          </a:prstGeom>
+        </p:spPr>
+        <p:txBody>
+          <a:bodyPr vert="horz" lIns="91440" tIns="45720" rIns="91440" bIns="45720" rtlCol="0"/>
+          <a:lstStyle>
+            <a:lvl1pPr algn="r">
+              <a:defRPr sz="1200"/>
+            </a:lvl1pPr>
+          </a:lstStyle>
+          <a:p>
+            <a:fld id="{B581D4C9-7B3C-4FE0-9F2C-9C4538AB9816}" type="datetimeFigureOut">
+              <a:rPr lang="ko-KR" altLang="en-US" smtClean="0"/>
+              <a:t>2022-03-04</a:t>
+            </a:fld>
+            <a:endParaRPr lang="ko-KR" altLang="en-US"/>
+          </a:p>
+        </p:txBody>
+      </p:sp>
+      <p:sp>
+        <p:nvSpPr>
+          <p:cNvPr id="4" name="슬라이드 이미지 개체 틀 3"/>
+          <p:cNvSpPr>
+            <a:spLocks noGrp="1" noRot="1" noChangeAspect="1"/>
+          </p:cNvSpPr>
+          <p:nvPr>
+            <p:ph type="sldImg" idx="2"/>
+          </p:nvPr>
+        </p:nvSpPr>
+        <p:spPr>
+          <a:xfrm>
+            <a:off x="685800" y="1143000"/>
+            <a:ext cx="5486400" cy="3086100"/>
+          </a:xfrm>
+          <a:prstGeom prst="rect">
+            <a:avLst/>
+          </a:prstGeom>
+          <a:noFill/>
+          <a:ln w="12700">
+            <a:solidFill>
+              <a:prstClr val="black"/>
+            </a:solidFill>
+          </a:ln>
+        </p:spPr>
+        <p:txBody>
+          <a:bodyPr vert="horz" lIns="91440" tIns="45720" rIns="91440" bIns="45720" rtlCol="0" anchor="ctr"/>
+          <a:lstStyle/>
+          <a:p>
+            <a:endParaRPr lang="ko-KR" altLang="en-US"/>
+          </a:p>
+        </p:txBody>
+      </p:sp>
+      <p:sp>
+        <p:nvSpPr>
+          <p:cNvPr id="5" name="슬라이드 노트 개체 틀 4"/>
+          <p:cNvSpPr>
+            <a:spLocks noGrp="1"/>
+          </p:cNvSpPr>
+          <p:nvPr>
+            <p:ph type="body" sz="quarter" idx="3"/>
+          </p:nvPr>
+        </p:nvSpPr>
+        <p:spPr>
+          <a:xfrm>
+            <a:off x="685800" y="4400550"/>
+            <a:ext cx="5486400" cy="3600450"/>
+          </a:xfrm>
+          <a:prstGeom prst="rect">
+            <a:avLst/>
+          </a:prstGeom>
+        </p:spPr>
+        <p:txBody>
+          <a:bodyPr vert="horz" lIns="91440" tIns="45720" rIns="91440" bIns="45720" rtlCol="0"/>
+          <a:lstStyle/>
+          <a:p>
+            <a:pPr lvl="0"/>
+            <a:r>
+              <a:rPr lang="ko-KR" altLang="en-US" smtClean="0"/>
+              <a:t>마스터 텍스트 스타일 편집</a:t>
+            </a:r>
+          </a:p>
+          <a:p>
+            <a:pPr lvl="1"/>
+            <a:r>
+              <a:rPr lang="ko-KR" altLang="en-US" smtClean="0"/>
+              <a:t>둘째 수준</a:t>
+            </a:r>
+          </a:p>
+          <a:p>
+            <a:pPr lvl="2"/>
+            <a:r>
+              <a:rPr lang="ko-KR" altLang="en-US" smtClean="0"/>
+              <a:t>셋째 수준</a:t>
+            </a:r>
+          </a:p>
+          <a:p>
+            <a:pPr lvl="3"/>
+            <a:r>
+              <a:rPr lang="ko-KR" altLang="en-US" smtClean="0"/>
+              <a:t>넷째 수준</a:t>
+            </a:r>
+          </a:p>
+          <a:p>
+            <a:pPr lvl="4"/>
+            <a:r>
+              <a:rPr lang="ko-KR" altLang="en-US" smtClean="0"/>
+              <a:t>다섯째 수준</a:t>
+            </a:r>
+            <a:endParaRPr lang="ko-KR" altLang="en-US"/>
+          </a:p>
+        </p:txBody>
+      </p:sp>
+      <p:sp>
+        <p:nvSpPr>
+          <p:cNvPr id="6" name="바닥글 개체 틀 5"/>
+          <p:cNvSpPr>
+            <a:spLocks noGrp="1"/>
+          </p:cNvSpPr>
+          <p:nvPr>
+            <p:ph type="ftr" sz="quarter" idx="4"/>
+          </p:nvPr>
+        </p:nvSpPr>
+        <p:spPr>
+          <a:xfrm>
+            <a:off x="0" y="8685213"/>
+            <a:ext cx="2971800" cy="458787"/>
+          </a:xfrm>
+          <a:prstGeom prst="rect">
+            <a:avLst/>
+          </a:prstGeom>
+        </p:spPr>
+        <p:txBody>
+          <a:bodyPr vert="horz" lIns="91440" tIns="45720" rIns="91440" bIns="45720" rtlCol="0" anchor="b"/>
+          <a:lstStyle>
+            <a:lvl1pPr algn="l">
+              <a:defRPr sz="1200"/>
+            </a:lvl1pPr>
+          </a:lstStyle>
+          <a:p>
+            <a:endParaRPr lang="ko-KR" altLang="en-US"/>
+          </a:p>
+        </p:txBody>
+      </p:sp>
+      <p:sp>
+        <p:nvSpPr>
+          <p:cNvPr id="7" name="슬라이드 번호 개체 틀 6"/>
+          <p:cNvSpPr>
+            <a:spLocks noGrp="1"/>
+          </p:cNvSpPr>
+          <p:nvPr>
+            <p:ph type="sldNum" sz="quarter" idx="5"/>
+          </p:nvPr>
+        </p:nvSpPr>
+        <p:spPr>
+          <a:xfrm>
+            <a:off x="3884613" y="8685213"/>
+            <a:ext cx="2971800" cy="458787"/>
+          </a:xfrm>
+          <a:prstGeom prst="rect">
+            <a:avLst/>
+          </a:prstGeom>
+        </p:spPr>
+        <p:txBody>
+          <a:bodyPr vert="horz" lIns="91440" tIns="45720" rIns="91440" bIns="45720" rtlCol="0" anchor="b"/>
+          <a:lstStyle>
+            <a:lvl1pPr algn="r">
+              <a:defRPr sz="1200"/>
+            </a:lvl1pPr>
+          </a:lstStyle>
+          <a:p>
+            <a:fld id="{AA1E037E-3A6A-4430-B417-EFA4D3BD4BE2}" type="slidenum">
+              <a:rPr lang="ko-KR" altLang="en-US" smtClean="0"/>
+              <a:t>‹#›</a:t>
+            </a:fld>
+            <a:endParaRPr lang="ko-KR" altLang="en-US"/>
+          </a:p>
+        </p:txBody>
+      </p:sp>
+    </p:spTree>
+    <p:extLst>
+      <p:ext uri="{BB962C8B-B14F-4D97-AF65-F5344CB8AC3E}">
+        <p14:creationId xmlns:p14="http://schemas.microsoft.com/office/powerpoint/2010/main" val="127386828"/>
+      </p:ext>
+    </p:extLst>
+  </p:cSld>
+  <p:clrMap bg1="lt1" tx1="dk1" bg2="lt2" tx2="dk2" accent1="accent1" accent2="accent2" accent3="accent3" accent4="accent4" accent5="accent5" accent6="accent6" hlink="hlink" folHlink="folHlink"/>
+  <p:notesStyle>
+    <a:lvl1pPr marL="0" algn="l" defTabSz="914400" rtl="0" eaLnBrk="1" latinLnBrk="1" hangingPunct="1">
+      <a:defRPr sz="1200" kern="1200">
+        <a:solidFill>
+          <a:schemeClr val="tx1"/>
+        </a:solidFill>
+        <a:latin typeface="+mn-lt"/>
+        <a:ea typeface="+mn-ea"/>
+        <a:cs typeface="+mn-cs"/>
+      </a:defRPr>
+    </a:lvl1pPr>
+    <a:lvl2pPr marL="457200" algn="l" defTabSz="914400" rtl="0" eaLnBrk="1" latinLnBrk="1" hangingPunct="1">
+      <a:defRPr sz="1200" kern="1200">
+        <a:solidFill>
+          <a:schemeClr val="tx1"/>
+        </a:solidFill>
+        <a:latin typeface="+mn-lt"/>
+        <a:ea typeface="+mn-ea"/>
+        <a:cs typeface="+mn-cs"/>
+      </a:defRPr>
+    </a:lvl2pPr>
+    <a:lvl3pPr marL="914400" algn="l" defTabSz="914400" rtl="0" eaLnBrk="1" latinLnBrk="1" hangingPunct="1">
+      <a:defRPr sz="1200" kern="1200">
+        <a:solidFill>
+          <a:schemeClr val="tx1"/>
+        </a:solidFill>
+        <a:latin typeface="+mn-lt"/>
+        <a:ea typeface="+mn-ea"/>
+        <a:cs typeface="+mn-cs"/>
+      </a:defRPr>
+    </a:lvl3pPr>
+    <a:lvl4pPr marL="1371600" algn="l" defTabSz="914400" rtl="0" eaLnBrk="1" latinLnBrk="1" hangingPunct="1">
+      <a:defRPr sz="1200" kern="1200">
+        <a:solidFill>
+          <a:schemeClr val="tx1"/>
+        </a:solidFill>
+        <a:latin typeface="+mn-lt"/>
+        <a:ea typeface="+mn-ea"/>
+        <a:cs typeface="+mn-cs"/>
+      </a:defRPr>
+    </a:lvl4pPr>
+    <a:lvl5pPr marL="1828800" algn="l" defTabSz="914400" rtl="0" eaLnBrk="1" latinLnBrk="1" hangingPunct="1">
+      <a:defRPr sz="1200" kern="1200">
+        <a:solidFill>
+          <a:schemeClr val="tx1"/>
+        </a:solidFill>
+        <a:latin typeface="+mn-lt"/>
+        <a:ea typeface="+mn-ea"/>
+        <a:cs typeface="+mn-cs"/>
+      </a:defRPr>
+    </a:lvl5pPr>
+    <a:lvl6pPr marL="2286000" algn="l" defTabSz="914400" rtl="0" eaLnBrk="1" latinLnBrk="1" hangingPunct="1">
+      <a:defRPr sz="1200" kern="1200">
+        <a:solidFill>
+          <a:schemeClr val="tx1"/>
+        </a:solidFill>
+        <a:latin typeface="+mn-lt"/>
+        <a:ea typeface="+mn-ea"/>
+        <a:cs typeface="+mn-cs"/>
+      </a:defRPr>
+    </a:lvl6pPr>
+    <a:lvl7pPr marL="2743200" algn="l" defTabSz="914400" rtl="0" eaLnBrk="1" latinLnBrk="1" hangingPunct="1">
+      <a:defRPr sz="1200" kern="1200">
+        <a:solidFill>
+          <a:schemeClr val="tx1"/>
+        </a:solidFill>
+        <a:latin typeface="+mn-lt"/>
+        <a:ea typeface="+mn-ea"/>
+        <a:cs typeface="+mn-cs"/>
+      </a:defRPr>
+    </a:lvl7pPr>
+    <a:lvl8pPr marL="3200400" algn="l" defTabSz="914400" rtl="0" eaLnBrk="1" latinLnBrk="1" hangingPunct="1">
+      <a:defRPr sz="1200" kern="1200">
+        <a:solidFill>
+          <a:schemeClr val="tx1"/>
+        </a:solidFill>
+        <a:latin typeface="+mn-lt"/>
+        <a:ea typeface="+mn-ea"/>
+        <a:cs typeface="+mn-cs"/>
+      </a:defRPr>
+    </a:lvl8pPr>
+    <a:lvl9pPr marL="3657600" algn="l" defTabSz="914400" rtl="0" eaLnBrk="1" latinLnBrk="1" hangingPunct="1">
+      <a:defRPr sz="1200" kern="1200">
+        <a:solidFill>
+          <a:schemeClr val="tx1"/>
+        </a:solidFill>
+        <a:latin typeface="+mn-lt"/>
+        <a:ea typeface="+mn-ea"/>
+        <a:cs typeface="+mn-cs"/>
+      </a:defRPr>
+    </a:lvl9pPr>
+  </p:notesStyle>
+</p:notesMaster>
+</file>
+
 <file path=ppt/slideLayouts/slideLayout1.xml><?xml version="1.0" encoding="utf-8"?>
 <p:sldLayout xmlns:a="http://schemas.openxmlformats.org/drawingml/2006/main" xmlns:r="http://schemas.openxmlformats.org/officeDocument/2006/relationships" xmlns:p="http://schemas.openxmlformats.org/presentationml/2006/main" type="title" preserve="1">
   <p:cSld name="제목 슬라이드">
@@ -696,7 +1049,7 @@
           <a:p>
             <a:fld id="{B917E565-B88F-4C23-B4DC-EFF10FF7FA34}" type="datetimeFigureOut">
               <a:rPr lang="ko-KR" altLang="en-US" smtClean="0"/>
-              <a:t>2021. 8. 19.</a:t>
+              <a:t>2022-03-04</a:t>
             </a:fld>
             <a:endParaRPr lang="ko-KR" altLang="en-US"/>
           </a:p>
@@ -864,7 +1217,7 @@
           <a:p>
             <a:fld id="{B917E565-B88F-4C23-B4DC-EFF10FF7FA34}" type="datetimeFigureOut">
               <a:rPr lang="ko-KR" altLang="en-US" smtClean="0"/>
-              <a:t>2021. 8. 19.</a:t>
+              <a:t>2022-03-04</a:t>
             </a:fld>
             <a:endParaRPr lang="ko-KR" altLang="en-US"/>
           </a:p>
@@ -1042,7 +1395,7 @@
           <a:p>
             <a:fld id="{B917E565-B88F-4C23-B4DC-EFF10FF7FA34}" type="datetimeFigureOut">
               <a:rPr lang="ko-KR" altLang="en-US" smtClean="0"/>
-              <a:t>2021. 8. 19.</a:t>
+              <a:t>2022-03-04</a:t>
             </a:fld>
             <a:endParaRPr lang="ko-KR" altLang="en-US"/>
           </a:p>
@@ -1137,7 +1490,7 @@
           <a:p>
             <a:fld id="{B917E565-B88F-4C23-B4DC-EFF10FF7FA34}" type="datetimeFigureOut">
               <a:rPr lang="ko-KR" altLang="en-US" smtClean="0"/>
-              <a:t>2021. 8. 19.</a:t>
+              <a:t>2022-03-04</a:t>
             </a:fld>
             <a:endParaRPr lang="ko-KR" altLang="en-US"/>
           </a:p>
@@ -1286,14 +1639,22 @@
             <p:ph type="title"/>
           </p:nvPr>
         </p:nvSpPr>
-        <p:spPr/>
+        <p:spPr>
+          <a:xfrm>
+            <a:off x="838200" y="365125"/>
+            <a:ext cx="10515600" cy="685909"/>
+          </a:xfrm>
+        </p:spPr>
         <p:txBody>
           <a:bodyPr>
             <a:normAutofit/>
           </a:bodyPr>
           <a:lstStyle>
             <a:lvl1pPr>
-              <a:defRPr sz="4400"/>
+              <a:defRPr sz="3600">
+                <a:latin typeface="KoPub돋움체 Bold" panose="00000800000000000000" pitchFamily="2" charset="-127"/>
+                <a:ea typeface="KoPub돋움체 Bold" panose="00000800000000000000" pitchFamily="2" charset="-127"/>
+              </a:defRPr>
             </a:lvl1pPr>
           </a:lstStyle>
           <a:p>
@@ -1314,13 +1675,47 @@
             <p:ph idx="1"/>
           </p:nvPr>
         </p:nvSpPr>
-        <p:spPr/>
-        <p:txBody>
-          <a:bodyPr/>
+        <p:spPr>
+          <a:xfrm>
+            <a:off x="838200" y="1321128"/>
+            <a:ext cx="10515600" cy="4848444"/>
+          </a:xfrm>
+        </p:spPr>
+        <p:txBody>
+          <a:bodyPr>
+            <a:normAutofit/>
+          </a:bodyPr>
           <a:lstStyle>
             <a:lvl1pPr>
-              <a:defRPr sz="2400"/>
+              <a:defRPr sz="2000">
+                <a:latin typeface="KoPub돋움체 Bold" panose="00000800000000000000" pitchFamily="2" charset="-127"/>
+                <a:ea typeface="KoPub돋움체 Bold" panose="00000800000000000000" pitchFamily="2" charset="-127"/>
+              </a:defRPr>
             </a:lvl1pPr>
+            <a:lvl2pPr>
+              <a:defRPr sz="2000">
+                <a:latin typeface="KoPub돋움체 Bold" panose="00000800000000000000" pitchFamily="2" charset="-127"/>
+                <a:ea typeface="KoPub돋움체 Bold" panose="00000800000000000000" pitchFamily="2" charset="-127"/>
+              </a:defRPr>
+            </a:lvl2pPr>
+            <a:lvl3pPr>
+              <a:defRPr sz="1800">
+                <a:latin typeface="KoPub돋움체 Bold" panose="00000800000000000000" pitchFamily="2" charset="-127"/>
+                <a:ea typeface="KoPub돋움체 Bold" panose="00000800000000000000" pitchFamily="2" charset="-127"/>
+              </a:defRPr>
+            </a:lvl3pPr>
+            <a:lvl4pPr>
+              <a:defRPr sz="1600">
+                <a:latin typeface="KoPub돋움체 Bold" panose="00000800000000000000" pitchFamily="2" charset="-127"/>
+                <a:ea typeface="KoPub돋움체 Bold" panose="00000800000000000000" pitchFamily="2" charset="-127"/>
+              </a:defRPr>
+            </a:lvl4pPr>
+            <a:lvl5pPr>
+              <a:defRPr sz="1600">
+                <a:latin typeface="KoPub돋움체 Bold" panose="00000800000000000000" pitchFamily="2" charset="-127"/>
+                <a:ea typeface="KoPub돋움체 Bold" panose="00000800000000000000" pitchFamily="2" charset="-127"/>
+              </a:defRPr>
+            </a:lvl5pPr>
           </a:lstStyle>
           <a:p>
             <a:pPr lvl="0"/>
@@ -1369,14 +1764,27 @@
             <p:ph type="dt" sz="half" idx="10"/>
           </p:nvPr>
         </p:nvSpPr>
-        <p:spPr/>
+        <p:spPr>
+          <a:xfrm>
+            <a:off x="838200" y="6356350"/>
+            <a:ext cx="2743200" cy="220779"/>
+          </a:xfrm>
+        </p:spPr>
         <p:txBody>
           <a:bodyPr/>
-          <a:lstStyle/>
+          <a:lstStyle>
+            <a:lvl1pPr>
+              <a:defRPr>
+                <a:latin typeface="KoPub돋움체 Bold" panose="00000800000000000000" pitchFamily="2" charset="-127"/>
+                <a:ea typeface="KoPub돋움체 Bold" panose="00000800000000000000" pitchFamily="2" charset="-127"/>
+              </a:defRPr>
+            </a:lvl1pPr>
+          </a:lstStyle>
           <a:p>
             <a:fld id="{B917E565-B88F-4C23-B4DC-EFF10FF7FA34}" type="datetimeFigureOut">
               <a:rPr lang="ko-KR" altLang="en-US" smtClean="0"/>
-              <a:t>2021. 8. 19.</a:t>
+              <a:pPr/>
+              <a:t>2022-03-04</a:t>
             </a:fld>
             <a:endParaRPr lang="ko-KR" altLang="en-US"/>
           </a:p>
@@ -1392,10 +1800,22 @@
             <p:ph type="ftr" sz="quarter" idx="11"/>
           </p:nvPr>
         </p:nvSpPr>
-        <p:spPr/>
+        <p:spPr>
+          <a:xfrm>
+            <a:off x="4038600" y="6356350"/>
+            <a:ext cx="4114800" cy="220779"/>
+          </a:xfrm>
+        </p:spPr>
         <p:txBody>
           <a:bodyPr/>
-          <a:lstStyle/>
+          <a:lstStyle>
+            <a:lvl1pPr>
+              <a:defRPr>
+                <a:latin typeface="KoPub돋움체 Bold" panose="00000800000000000000" pitchFamily="2" charset="-127"/>
+                <a:ea typeface="KoPub돋움체 Bold" panose="00000800000000000000" pitchFamily="2" charset="-127"/>
+              </a:defRPr>
+            </a:lvl1pPr>
+          </a:lstStyle>
           <a:p>
             <a:endParaRPr lang="ko-KR" altLang="en-US"/>
           </a:p>
@@ -1411,13 +1831,26 @@
             <p:ph type="sldNum" sz="quarter" idx="12"/>
           </p:nvPr>
         </p:nvSpPr>
-        <p:spPr/>
+        <p:spPr>
+          <a:xfrm>
+            <a:off x="8610600" y="6356350"/>
+            <a:ext cx="2743200" cy="220779"/>
+          </a:xfrm>
+        </p:spPr>
         <p:txBody>
           <a:bodyPr/>
-          <a:lstStyle/>
+          <a:lstStyle>
+            <a:lvl1pPr>
+              <a:defRPr>
+                <a:latin typeface="KoPub돋움체 Bold" panose="00000800000000000000" pitchFamily="2" charset="-127"/>
+                <a:ea typeface="KoPub돋움체 Bold" panose="00000800000000000000" pitchFamily="2" charset="-127"/>
+              </a:defRPr>
+            </a:lvl1pPr>
+          </a:lstStyle>
           <a:p>
             <a:fld id="{FFD5319A-5D1B-49C5-8282-C4DEE4CA52BD}" type="slidenum">
               <a:rPr lang="ko-KR" altLang="en-US" smtClean="0"/>
+              <a:pPr/>
               <a:t>‹#›</a:t>
             </a:fld>
             <a:endParaRPr lang="ko-KR" altLang="en-US"/>
@@ -1621,7 +2054,7 @@
           <a:p>
             <a:fld id="{B917E565-B88F-4C23-B4DC-EFF10FF7FA34}" type="datetimeFigureOut">
               <a:rPr lang="ko-KR" altLang="en-US" smtClean="0"/>
-              <a:t>2021. 8. 19.</a:t>
+              <a:t>2022-03-04</a:t>
             </a:fld>
             <a:endParaRPr lang="ko-KR" altLang="en-US"/>
           </a:p>
@@ -1850,7 +2283,7 @@
           <a:p>
             <a:fld id="{B917E565-B88F-4C23-B4DC-EFF10FF7FA34}" type="datetimeFigureOut">
               <a:rPr lang="ko-KR" altLang="en-US" smtClean="0"/>
-              <a:t>2021. 8. 19.</a:t>
+              <a:t>2022-03-04</a:t>
             </a:fld>
             <a:endParaRPr lang="ko-KR" altLang="en-US"/>
           </a:p>
@@ -2214,7 +2647,7 @@
           <a:p>
             <a:fld id="{B917E565-B88F-4C23-B4DC-EFF10FF7FA34}" type="datetimeFigureOut">
               <a:rPr lang="ko-KR" altLang="en-US" smtClean="0"/>
-              <a:t>2021. 8. 19.</a:t>
+              <a:t>2022-03-04</a:t>
             </a:fld>
             <a:endParaRPr lang="ko-KR" altLang="en-US"/>
           </a:p>
@@ -2331,7 +2764,7 @@
           <a:p>
             <a:fld id="{B917E565-B88F-4C23-B4DC-EFF10FF7FA34}" type="datetimeFigureOut">
               <a:rPr lang="ko-KR" altLang="en-US" smtClean="0"/>
-              <a:t>2021. 8. 19.</a:t>
+              <a:t>2022-03-04</a:t>
             </a:fld>
             <a:endParaRPr lang="ko-KR" altLang="en-US"/>
           </a:p>
@@ -2426,7 +2859,7 @@
           <a:p>
             <a:fld id="{B917E565-B88F-4C23-B4DC-EFF10FF7FA34}" type="datetimeFigureOut">
               <a:rPr lang="ko-KR" altLang="en-US" smtClean="0"/>
-              <a:t>2021. 8. 19.</a:t>
+              <a:t>2022-03-04</a:t>
             </a:fld>
             <a:endParaRPr lang="ko-KR" altLang="en-US"/>
           </a:p>
@@ -2701,7 +3134,7 @@
           <a:p>
             <a:fld id="{B917E565-B88F-4C23-B4DC-EFF10FF7FA34}" type="datetimeFigureOut">
               <a:rPr lang="ko-KR" altLang="en-US" smtClean="0"/>
-              <a:t>2021. 8. 19.</a:t>
+              <a:t>2022-03-04</a:t>
             </a:fld>
             <a:endParaRPr lang="ko-KR" altLang="en-US"/>
           </a:p>
@@ -2953,7 +3386,7 @@
           <a:p>
             <a:fld id="{B917E565-B88F-4C23-B4DC-EFF10FF7FA34}" type="datetimeFigureOut">
               <a:rPr lang="ko-KR" altLang="en-US" smtClean="0"/>
-              <a:t>2021. 8. 19.</a:t>
+              <a:t>2022-03-04</a:t>
             </a:fld>
             <a:endParaRPr lang="ko-KR" altLang="en-US"/>
           </a:p>
@@ -3164,7 +3597,7 @@
           <a:p>
             <a:fld id="{B917E565-B88F-4C23-B4DC-EFF10FF7FA34}" type="datetimeFigureOut">
               <a:rPr lang="ko-KR" altLang="en-US" smtClean="0"/>
-              <a:t>2021. 8. 19.</a:t>
+              <a:t>2022-03-04</a:t>
             </a:fld>
             <a:endParaRPr lang="ko-KR" altLang="en-US"/>
           </a:p>
@@ -3593,22 +4026,37 @@
           <a:lstStyle/>
           <a:p>
             <a:pPr algn="l"/>
-            <a:endParaRPr lang="en-US" altLang="ko-KR" sz="2800" b="1" dirty="0"/>
-          </a:p>
-          <a:p>
-            <a:r>
-              <a:rPr lang="en-US" altLang="ko-KR" sz="3600" b="1" dirty="0"/>
+            <a:endParaRPr lang="en-US" altLang="ko-KR" sz="2800" b="1" dirty="0">
+              <a:latin typeface="KoPub돋움체 Bold" panose="00000800000000000000" pitchFamily="2" charset="-127"/>
+              <a:ea typeface="KoPub돋움체 Bold" panose="00000800000000000000" pitchFamily="2" charset="-127"/>
+            </a:endParaRPr>
+          </a:p>
+          <a:p>
+            <a:r>
+              <a:rPr lang="en-US" altLang="ko-KR" sz="3600" b="1" dirty="0">
+                <a:latin typeface="KoPub돋움체 Bold" panose="00000800000000000000" pitchFamily="2" charset="-127"/>
+                <a:ea typeface="KoPub돋움체 Bold" panose="00000800000000000000" pitchFamily="2" charset="-127"/>
+              </a:rPr>
               <a:t>1</a:t>
             </a:r>
             <a:r>
-              <a:rPr lang="ko-KR" altLang="en-US" sz="3600" b="1" dirty="0"/>
+              <a:rPr lang="ko-KR" altLang="en-US" sz="3600" b="1" dirty="0">
+                <a:latin typeface="KoPub돋움체 Bold" panose="00000800000000000000" pitchFamily="2" charset="-127"/>
+                <a:ea typeface="KoPub돋움체 Bold" panose="00000800000000000000" pitchFamily="2" charset="-127"/>
+              </a:rPr>
               <a:t>장 </a:t>
             </a:r>
             <a:r>
-              <a:rPr lang="ko-KR" altLang="en-US" sz="3600" b="1" dirty="0" err="1"/>
+              <a:rPr lang="ko-KR" altLang="en-US" sz="3600" b="1" dirty="0" err="1">
+                <a:latin typeface="KoPub돋움체 Bold" panose="00000800000000000000" pitchFamily="2" charset="-127"/>
+                <a:ea typeface="KoPub돋움체 Bold" panose="00000800000000000000" pitchFamily="2" charset="-127"/>
+              </a:rPr>
               <a:t>머신러닝이란</a:t>
             </a:r>
-            <a:endParaRPr lang="ko-KR" altLang="en-US" sz="3600" b="1" dirty="0"/>
+            <a:endParaRPr lang="ko-KR" altLang="en-US" sz="3600" b="1" dirty="0">
+              <a:latin typeface="KoPub돋움체 Bold" panose="00000800000000000000" pitchFamily="2" charset="-127"/>
+              <a:ea typeface="KoPub돋움체 Bold" panose="00000800000000000000" pitchFamily="2" charset="-127"/>
+            </a:endParaRPr>
           </a:p>
         </p:txBody>
       </p:sp>
@@ -4141,7 +4589,9 @@
         </p:nvSpPr>
         <p:spPr/>
         <p:txBody>
-          <a:bodyPr/>
+          <a:bodyPr>
+            <a:normAutofit/>
+          </a:bodyPr>
           <a:lstStyle/>
           <a:p>
             <a:r>
@@ -4314,7 +4764,7 @@
         </p:spPr>
         <p:txBody>
           <a:bodyPr>
-            <a:normAutofit lnSpcReduction="10000"/>
+            <a:normAutofit/>
           </a:bodyPr>
           <a:lstStyle/>
           <a:p>
@@ -4576,7 +5026,9 @@
         </p:nvSpPr>
         <p:spPr/>
         <p:txBody>
-          <a:bodyPr/>
+          <a:bodyPr>
+            <a:normAutofit/>
+          </a:bodyPr>
           <a:lstStyle/>
           <a:p>
             <a:r>
@@ -4803,6 +5255,10 @@
             <a:r>
               <a:rPr lang="en-US" altLang="ko-KR" dirty="0"/>
               <a:t>,</a:t>
+            </a:r>
+            <a:r>
+              <a:rPr lang="ko-KR" altLang="en-US" dirty="0"/>
+              <a:t/>
             </a:r>
             <a:br>
               <a:rPr lang="ko-KR" altLang="en-US" dirty="0"/>
@@ -5476,7 +5932,7 @@
         <p:spPr>
           <a:xfrm>
             <a:off x="1376080" y="4793045"/>
-            <a:ext cx="4554452" cy="646331"/>
+            <a:ext cx="4041491" cy="646331"/>
           </a:xfrm>
           <a:prstGeom prst="rect">
             <a:avLst/>
@@ -5492,77 +5948,134 @@
           <a:lstStyle/>
           <a:p>
             <a:r>
-              <a:rPr lang="ko-KR" altLang="en-US"/>
+              <a:rPr lang="ko-KR" altLang="en-US">
+                <a:latin typeface="KoPub돋움체 Bold" panose="00000800000000000000" pitchFamily="2" charset="-127"/>
+                <a:ea typeface="KoPub돋움체 Bold" panose="00000800000000000000" pitchFamily="2" charset="-127"/>
+              </a:rPr>
               <a:t>에이전트</a:t>
             </a:r>
             <a:r>
-              <a:rPr lang="en-US" altLang="ko-KR"/>
+              <a:rPr lang="en-US" altLang="ko-KR">
+                <a:latin typeface="KoPub돋움체 Bold" panose="00000800000000000000" pitchFamily="2" charset="-127"/>
+                <a:ea typeface="KoPub돋움체 Bold" panose="00000800000000000000" pitchFamily="2" charset="-127"/>
+              </a:rPr>
               <a:t>(</a:t>
             </a:r>
             <a:r>
-              <a:rPr lang="ko-KR" altLang="en-US"/>
+              <a:rPr lang="ko-KR" altLang="en-US">
+                <a:latin typeface="KoPub돋움체 Bold" panose="00000800000000000000" pitchFamily="2" charset="-127"/>
+                <a:ea typeface="KoPub돋움체 Bold" panose="00000800000000000000" pitchFamily="2" charset="-127"/>
+              </a:rPr>
               <a:t>개</a:t>
             </a:r>
             <a:r>
-              <a:rPr lang="en-US" altLang="ko-KR"/>
+              <a:rPr lang="en-US" altLang="ko-KR">
+                <a:latin typeface="KoPub돋움체 Bold" panose="00000800000000000000" pitchFamily="2" charset="-127"/>
+                <a:ea typeface="KoPub돋움체 Bold" panose="00000800000000000000" pitchFamily="2" charset="-127"/>
+              </a:rPr>
               <a:t>)</a:t>
             </a:r>
             <a:r>
-              <a:rPr lang="ko-KR" altLang="en-US"/>
+              <a:rPr lang="ko-KR" altLang="en-US">
+                <a:latin typeface="KoPub돋움체 Bold" panose="00000800000000000000" pitchFamily="2" charset="-127"/>
+                <a:ea typeface="KoPub돋움체 Bold" panose="00000800000000000000" pitchFamily="2" charset="-127"/>
+              </a:rPr>
               <a:t>가 환경</a:t>
             </a:r>
             <a:r>
-              <a:rPr lang="en-US" altLang="ko-KR"/>
+              <a:rPr lang="en-US" altLang="ko-KR">
+                <a:latin typeface="KoPub돋움체 Bold" panose="00000800000000000000" pitchFamily="2" charset="-127"/>
+                <a:ea typeface="KoPub돋움체 Bold" panose="00000800000000000000" pitchFamily="2" charset="-127"/>
+              </a:rPr>
               <a:t>(</a:t>
             </a:r>
             <a:r>
-              <a:rPr lang="ko-KR" altLang="en-US"/>
+              <a:rPr lang="ko-KR" altLang="en-US">
+                <a:latin typeface="KoPub돋움체 Bold" panose="00000800000000000000" pitchFamily="2" charset="-127"/>
+                <a:ea typeface="KoPub돋움체 Bold" panose="00000800000000000000" pitchFamily="2" charset="-127"/>
+              </a:rPr>
               <a:t>훈련</a:t>
             </a:r>
             <a:r>
-              <a:rPr lang="en-US" altLang="ko-KR"/>
+              <a:rPr lang="en-US" altLang="ko-KR">
+                <a:latin typeface="KoPub돋움체 Bold" panose="00000800000000000000" pitchFamily="2" charset="-127"/>
+                <a:ea typeface="KoPub돋움체 Bold" panose="00000800000000000000" pitchFamily="2" charset="-127"/>
+              </a:rPr>
               <a:t>)</a:t>
             </a:r>
             <a:r>
-              <a:rPr lang="ko-KR" altLang="en-US"/>
+              <a:rPr lang="ko-KR" altLang="en-US">
+                <a:latin typeface="KoPub돋움체 Bold" panose="00000800000000000000" pitchFamily="2" charset="-127"/>
+                <a:ea typeface="KoPub돋움체 Bold" panose="00000800000000000000" pitchFamily="2" charset="-127"/>
+              </a:rPr>
               <a:t>과 상호작용하며</a:t>
             </a:r>
-            <a:endParaRPr lang="en-US" altLang="ko-KR"/>
-          </a:p>
-          <a:p>
-            <a:r>
-              <a:rPr lang="ko-KR" altLang="en-US"/>
+            <a:endParaRPr lang="en-US" altLang="ko-KR">
+              <a:latin typeface="KoPub돋움체 Bold" panose="00000800000000000000" pitchFamily="2" charset="-127"/>
+              <a:ea typeface="KoPub돋움체 Bold" panose="00000800000000000000" pitchFamily="2" charset="-127"/>
+            </a:endParaRPr>
+          </a:p>
+          <a:p>
+            <a:r>
+              <a:rPr lang="ko-KR" altLang="en-US">
+                <a:latin typeface="KoPub돋움체 Bold" panose="00000800000000000000" pitchFamily="2" charset="-127"/>
+                <a:ea typeface="KoPub돋움체 Bold" panose="00000800000000000000" pitchFamily="2" charset="-127"/>
+              </a:rPr>
               <a:t>보상</a:t>
             </a:r>
             <a:r>
-              <a:rPr lang="en-US" altLang="ko-KR"/>
+              <a:rPr lang="en-US" altLang="ko-KR">
+                <a:latin typeface="KoPub돋움체 Bold" panose="00000800000000000000" pitchFamily="2" charset="-127"/>
+                <a:ea typeface="KoPub돋움체 Bold" panose="00000800000000000000" pitchFamily="2" charset="-127"/>
+              </a:rPr>
               <a:t>(</a:t>
             </a:r>
             <a:r>
-              <a:rPr lang="ko-KR" altLang="en-US"/>
+              <a:rPr lang="ko-KR" altLang="en-US">
+                <a:latin typeface="KoPub돋움체 Bold" panose="00000800000000000000" pitchFamily="2" charset="-127"/>
+                <a:ea typeface="KoPub돋움체 Bold" panose="00000800000000000000" pitchFamily="2" charset="-127"/>
+              </a:rPr>
               <a:t>먹을 것</a:t>
             </a:r>
             <a:r>
-              <a:rPr lang="en-US" altLang="ko-KR"/>
+              <a:rPr lang="en-US" altLang="ko-KR">
+                <a:latin typeface="KoPub돋움체 Bold" panose="00000800000000000000" pitchFamily="2" charset="-127"/>
+                <a:ea typeface="KoPub돋움체 Bold" panose="00000800000000000000" pitchFamily="2" charset="-127"/>
+              </a:rPr>
               <a:t>)</a:t>
             </a:r>
             <a:r>
-              <a:rPr lang="ko-KR" altLang="en-US"/>
+              <a:rPr lang="ko-KR" altLang="en-US">
+                <a:latin typeface="KoPub돋움체 Bold" panose="00000800000000000000" pitchFamily="2" charset="-127"/>
+                <a:ea typeface="KoPub돋움체 Bold" panose="00000800000000000000" pitchFamily="2" charset="-127"/>
+              </a:rPr>
               <a:t>을 통해 행동을 결정</a:t>
             </a:r>
             <a:r>
-              <a:rPr lang="en-US" altLang="ko-KR"/>
+              <a:rPr lang="en-US" altLang="ko-KR">
+                <a:latin typeface="KoPub돋움체 Bold" panose="00000800000000000000" pitchFamily="2" charset="-127"/>
+                <a:ea typeface="KoPub돋움체 Bold" panose="00000800000000000000" pitchFamily="2" charset="-127"/>
+              </a:rPr>
               <a:t>(</a:t>
             </a:r>
             <a:r>
-              <a:rPr lang="ko-KR" altLang="en-US"/>
+              <a:rPr lang="ko-KR" altLang="en-US">
+                <a:latin typeface="KoPub돋움체 Bold" panose="00000800000000000000" pitchFamily="2" charset="-127"/>
+                <a:ea typeface="KoPub돋움체 Bold" panose="00000800000000000000" pitchFamily="2" charset="-127"/>
+              </a:rPr>
               <a:t>정책</a:t>
             </a:r>
             <a:r>
-              <a:rPr lang="en-US" altLang="ko-KR"/>
+              <a:rPr lang="en-US" altLang="ko-KR">
+                <a:latin typeface="KoPub돋움체 Bold" panose="00000800000000000000" pitchFamily="2" charset="-127"/>
+                <a:ea typeface="KoPub돋움체 Bold" panose="00000800000000000000" pitchFamily="2" charset="-127"/>
+              </a:rPr>
               <a:t>)</a:t>
             </a:r>
-            <a:endParaRPr lang="ko-KR" altLang="en-US"/>
+            <a:endParaRPr lang="ko-KR" altLang="en-US">
+              <a:latin typeface="KoPub돋움체 Bold" panose="00000800000000000000" pitchFamily="2" charset="-127"/>
+              <a:ea typeface="KoPub돋움체 Bold" panose="00000800000000000000" pitchFamily="2" charset="-127"/>
+            </a:endParaRPr>
           </a:p>
         </p:txBody>
       </p:sp>
@@ -5937,7 +6450,7 @@
         <p:spPr>
           <a:xfrm>
             <a:off x="2270914" y="5405441"/>
-            <a:ext cx="3825086" cy="646331"/>
+            <a:ext cx="3377848" cy="646331"/>
           </a:xfrm>
           <a:prstGeom prst="rect">
             <a:avLst/>
@@ -5953,14 +6466,23 @@
           <a:lstStyle/>
           <a:p>
             <a:r>
-              <a:rPr lang="ko-KR" altLang="en-US"/>
+              <a:rPr lang="ko-KR" altLang="en-US">
+                <a:latin typeface="KoPub돋움체 Bold" panose="00000800000000000000" pitchFamily="2" charset="-127"/>
+                <a:ea typeface="KoPub돋움체 Bold" panose="00000800000000000000" pitchFamily="2" charset="-127"/>
+              </a:rPr>
               <a:t>학습 데이터가 충분하지 않을 경우</a:t>
             </a:r>
-            <a:endParaRPr lang="en-US" altLang="ko-KR"/>
-          </a:p>
-          <a:p>
-            <a:r>
-              <a:rPr lang="ko-KR" altLang="en-US"/>
+            <a:endParaRPr lang="en-US" altLang="ko-KR">
+              <a:latin typeface="KoPub돋움체 Bold" panose="00000800000000000000" pitchFamily="2" charset="-127"/>
+              <a:ea typeface="KoPub돋움체 Bold" panose="00000800000000000000" pitchFamily="2" charset="-127"/>
+            </a:endParaRPr>
+          </a:p>
+          <a:p>
+            <a:r>
+              <a:rPr lang="ko-KR" altLang="en-US">
+                <a:latin typeface="KoPub돋움체 Bold" panose="00000800000000000000" pitchFamily="2" charset="-127"/>
+                <a:ea typeface="KoPub돋움체 Bold" panose="00000800000000000000" pitchFamily="2" charset="-127"/>
+              </a:rPr>
               <a:t>머신러닝은 좋은 성능을 낼 수 없다</a:t>
             </a:r>
           </a:p>
@@ -6445,7 +6967,10 @@
             <a:lstStyle/>
             <a:p>
               <a:pPr algn="ctr"/>
-              <a:endParaRPr lang="ko-KR" altLang="en-US" dirty="0"/>
+              <a:endParaRPr lang="ko-KR" altLang="en-US" dirty="0">
+                <a:latin typeface="KoPub돋움체 Bold" panose="00000800000000000000" pitchFamily="2" charset="-127"/>
+                <a:ea typeface="KoPub돋움체 Bold" panose="00000800000000000000" pitchFamily="2" charset="-127"/>
+              </a:endParaRPr>
             </a:p>
           </p:txBody>
         </p:sp>
@@ -6471,8 +6996,8 @@
             </p:nvSpPr>
             <p:spPr>
               <a:xfrm>
-                <a:off x="690560" y="2641203"/>
-                <a:ext cx="1810289" cy="146446"/>
+                <a:off x="804007" y="2641203"/>
+                <a:ext cx="1583395" cy="146446"/>
               </a:xfrm>
               <a:prstGeom prst="rect">
                 <a:avLst/>
@@ -6514,8 +7039,8 @@
                       <a:lin ang="16200000" scaled="1"/>
                       <a:tileRect/>
                     </a:gradFill>
-                    <a:latin typeface="맑은 고딕" panose="020B0503020000020004" pitchFamily="50" charset="-127"/>
-                    <a:ea typeface="맑은 고딕" panose="020B0503020000020004" pitchFamily="50" charset="-127"/>
+                    <a:latin typeface="KoPub돋움체 Bold" panose="00000800000000000000" pitchFamily="2" charset="-127"/>
+                    <a:ea typeface="KoPub돋움체 Bold" panose="00000800000000000000" pitchFamily="2" charset="-127"/>
                   </a:rPr>
                   <a:t>이장에서 배울 것들</a:t>
                 </a:r>
@@ -6547,8 +7072,8 @@
                     <a:lin ang="16200000" scaled="1"/>
                     <a:tileRect/>
                   </a:gradFill>
-                  <a:latin typeface="맑은 고딕" panose="020B0503020000020004" pitchFamily="50" charset="-127"/>
-                  <a:ea typeface="맑은 고딕" panose="020B0503020000020004" pitchFamily="50" charset="-127"/>
+                  <a:latin typeface="KoPub돋움체 Bold" panose="00000800000000000000" pitchFamily="2" charset="-127"/>
+                  <a:ea typeface="KoPub돋움체 Bold" panose="00000800000000000000" pitchFamily="2" charset="-127"/>
                 </a:endParaRPr>
               </a:p>
             </p:txBody>
@@ -6657,11 +7182,17 @@
                   <a:defRPr/>
                 </a:pPr>
                 <a:r>
-                  <a:rPr lang="ko-KR" altLang="en-US" sz="2000" spc="-100" dirty="0"/>
+                  <a:rPr lang="ko-KR" altLang="en-US" sz="2000" spc="-100" dirty="0">
+                    <a:latin typeface="KoPub돋움체 Bold" panose="00000800000000000000" pitchFamily="2" charset="-127"/>
+                    <a:ea typeface="KoPub돋움체 Bold" panose="00000800000000000000" pitchFamily="2" charset="-127"/>
+                  </a:rPr>
                   <a:t>생각하는 기계라는 것이 무엇인가</a:t>
                 </a:r>
                 <a:r>
-                  <a:rPr lang="en-US" altLang="ko-KR" sz="2000" spc="-100" dirty="0"/>
+                  <a:rPr lang="en-US" altLang="ko-KR" sz="2000" spc="-100" dirty="0">
+                    <a:latin typeface="KoPub돋움체 Bold" panose="00000800000000000000" pitchFamily="2" charset="-127"/>
+                    <a:ea typeface="KoPub돋움체 Bold" panose="00000800000000000000" pitchFamily="2" charset="-127"/>
+                  </a:rPr>
                   <a:t>. </a:t>
                 </a:r>
               </a:p>
@@ -6678,11 +7209,17 @@
                   <a:defRPr/>
                 </a:pPr>
                 <a:r>
-                  <a:rPr lang="ko-KR" altLang="en-US" sz="2000" spc="-100" dirty="0"/>
+                  <a:rPr lang="ko-KR" altLang="en-US" sz="2000" spc="-100" dirty="0">
+                    <a:latin typeface="KoPub돋움체 Bold" panose="00000800000000000000" pitchFamily="2" charset="-127"/>
+                    <a:ea typeface="KoPub돋움체 Bold" panose="00000800000000000000" pitchFamily="2" charset="-127"/>
+                  </a:rPr>
                   <a:t>생각하는 기계를 만들기 위해 사람들이 어떤 노력을 해 왔는가</a:t>
                 </a:r>
                 <a:r>
-                  <a:rPr lang="en-US" altLang="ko-KR" sz="2000" spc="-100" dirty="0"/>
+                  <a:rPr lang="en-US" altLang="ko-KR" sz="2000" spc="-100" dirty="0">
+                    <a:latin typeface="KoPub돋움체 Bold" panose="00000800000000000000" pitchFamily="2" charset="-127"/>
+                    <a:ea typeface="KoPub돋움체 Bold" panose="00000800000000000000" pitchFamily="2" charset="-127"/>
+                  </a:rPr>
                   <a:t>. </a:t>
                 </a:r>
               </a:p>
@@ -6699,11 +7236,17 @@
                   <a:defRPr/>
                 </a:pPr>
                 <a:r>
-                  <a:rPr lang="ko-KR" altLang="en-US" sz="2000" spc="-100" dirty="0"/>
+                  <a:rPr lang="ko-KR" altLang="en-US" sz="2000" spc="-100" dirty="0">
+                    <a:latin typeface="KoPub돋움체 Bold" panose="00000800000000000000" pitchFamily="2" charset="-127"/>
+                    <a:ea typeface="KoPub돋움체 Bold" panose="00000800000000000000" pitchFamily="2" charset="-127"/>
+                  </a:rPr>
                   <a:t>인공지능 역사의 큰 흐름은 어떠했나</a:t>
                 </a:r>
                 <a:r>
-                  <a:rPr lang="en-US" altLang="ko-KR" sz="2000" spc="-100" dirty="0"/>
+                  <a:rPr lang="en-US" altLang="ko-KR" sz="2000" spc="-100" dirty="0">
+                    <a:latin typeface="KoPub돋움체 Bold" panose="00000800000000000000" pitchFamily="2" charset="-127"/>
+                    <a:ea typeface="KoPub돋움체 Bold" panose="00000800000000000000" pitchFamily="2" charset="-127"/>
+                  </a:rPr>
                   <a:t>. </a:t>
                 </a:r>
               </a:p>
@@ -6720,19 +7263,31 @@
                   <a:defRPr/>
                 </a:pPr>
                 <a:r>
-                  <a:rPr lang="ko-KR" altLang="en-US" sz="2000" spc="-100" dirty="0"/>
+                  <a:rPr lang="ko-KR" altLang="en-US" sz="2000" spc="-100" dirty="0">
+                    <a:latin typeface="KoPub돋움체 Bold" panose="00000800000000000000" pitchFamily="2" charset="-127"/>
+                    <a:ea typeface="KoPub돋움체 Bold" panose="00000800000000000000" pitchFamily="2" charset="-127"/>
+                  </a:rPr>
                   <a:t>앞으로 다룰 </a:t>
                 </a:r>
                 <a:r>
-                  <a:rPr lang="ko-KR" altLang="en-US" sz="2000" spc="-100" dirty="0" err="1"/>
+                  <a:rPr lang="ko-KR" altLang="en-US" sz="2000" spc="-100" dirty="0" err="1">
+                    <a:latin typeface="KoPub돋움체 Bold" panose="00000800000000000000" pitchFamily="2" charset="-127"/>
+                    <a:ea typeface="KoPub돋움체 Bold" panose="00000800000000000000" pitchFamily="2" charset="-127"/>
+                  </a:rPr>
                   <a:t>머신러닝이라는</a:t>
                 </a:r>
                 <a:r>
-                  <a:rPr lang="ko-KR" altLang="en-US" sz="2000" spc="-100" dirty="0"/>
+                  <a:rPr lang="ko-KR" altLang="en-US" sz="2000" spc="-100" dirty="0">
+                    <a:latin typeface="KoPub돋움체 Bold" panose="00000800000000000000" pitchFamily="2" charset="-127"/>
+                    <a:ea typeface="KoPub돋움체 Bold" panose="00000800000000000000" pitchFamily="2" charset="-127"/>
+                  </a:rPr>
                   <a:t> 것은 어떤 일을 하는 것인가</a:t>
                 </a:r>
                 <a:r>
-                  <a:rPr lang="en-US" altLang="ko-KR" sz="2000" spc="-100" dirty="0"/>
+                  <a:rPr lang="en-US" altLang="ko-KR" sz="2000" spc="-100" dirty="0">
+                    <a:latin typeface="KoPub돋움체 Bold" panose="00000800000000000000" pitchFamily="2" charset="-127"/>
+                    <a:ea typeface="KoPub돋움체 Bold" panose="00000800000000000000" pitchFamily="2" charset="-127"/>
+                  </a:rPr>
                   <a:t>.</a:t>
                 </a:r>
               </a:p>
@@ -6805,7 +7360,7 @@
         <p:spPr/>
         <p:txBody>
           <a:bodyPr>
-            <a:normAutofit fontScale="92500" lnSpcReduction="10000"/>
+            <a:normAutofit/>
           </a:bodyPr>
           <a:lstStyle/>
           <a:p>
@@ -7133,7 +7688,7 @@
         <p:spPr/>
         <p:txBody>
           <a:bodyPr>
-            <a:normAutofit fontScale="85000" lnSpcReduction="10000"/>
+            <a:normAutofit/>
           </a:bodyPr>
           <a:lstStyle/>
           <a:p>
@@ -7603,7 +8158,7 @@
         </p:spPr>
         <p:txBody>
           <a:bodyPr>
-            <a:normAutofit fontScale="92500"/>
+            <a:normAutofit/>
           </a:bodyPr>
           <a:lstStyle/>
           <a:p>
@@ -8287,7 +8842,9 @@
         </p:nvSpPr>
         <p:spPr/>
         <p:txBody>
-          <a:bodyPr/>
+          <a:bodyPr>
+            <a:normAutofit/>
+          </a:bodyPr>
           <a:lstStyle/>
           <a:p>
             <a:r>
@@ -8572,7 +9129,7 @@
         <p:spPr>
           <a:xfrm>
             <a:off x="5234533" y="5463987"/>
-            <a:ext cx="5639685" cy="646331"/>
+            <a:ext cx="5067413" cy="646331"/>
           </a:xfrm>
           <a:prstGeom prst="rect">
             <a:avLst/>
@@ -8588,66 +9145,114 @@
           <a:lstStyle/>
           <a:p>
             <a:r>
-              <a:rPr lang="en-US" altLang="ko-KR"/>
+              <a:rPr lang="en-US" altLang="ko-KR">
+                <a:latin typeface="KoPub돋움체 Bold" panose="00000800000000000000" pitchFamily="2" charset="-127"/>
+                <a:ea typeface="KoPub돋움체 Bold" panose="00000800000000000000" pitchFamily="2" charset="-127"/>
+              </a:rPr>
               <a:t>“</a:t>
             </a:r>
             <a:r>
-              <a:rPr lang="ko-KR" altLang="en-US"/>
+              <a:rPr lang="ko-KR" altLang="en-US">
+                <a:latin typeface="KoPub돋움체 Bold" panose="00000800000000000000" pitchFamily="2" charset="-127"/>
+                <a:ea typeface="KoPub돋움체 Bold" panose="00000800000000000000" pitchFamily="2" charset="-127"/>
+              </a:rPr>
               <a:t>걷고</a:t>
             </a:r>
             <a:r>
-              <a:rPr lang="en-US" altLang="ko-KR"/>
+              <a:rPr lang="en-US" altLang="ko-KR">
+                <a:latin typeface="KoPub돋움체 Bold" panose="00000800000000000000" pitchFamily="2" charset="-127"/>
+                <a:ea typeface="KoPub돋움체 Bold" panose="00000800000000000000" pitchFamily="2" charset="-127"/>
+              </a:rPr>
               <a:t>, </a:t>
             </a:r>
             <a:r>
-              <a:rPr lang="ko-KR" altLang="en-US"/>
+              <a:rPr lang="ko-KR" altLang="en-US">
+                <a:latin typeface="KoPub돋움체 Bold" panose="00000800000000000000" pitchFamily="2" charset="-127"/>
+                <a:ea typeface="KoPub돋움체 Bold" panose="00000800000000000000" pitchFamily="2" charset="-127"/>
+              </a:rPr>
               <a:t>말하고</a:t>
             </a:r>
             <a:r>
-              <a:rPr lang="en-US" altLang="ko-KR"/>
+              <a:rPr lang="en-US" altLang="ko-KR">
+                <a:latin typeface="KoPub돋움체 Bold" panose="00000800000000000000" pitchFamily="2" charset="-127"/>
+                <a:ea typeface="KoPub돋움체 Bold" panose="00000800000000000000" pitchFamily="2" charset="-127"/>
+              </a:rPr>
               <a:t>, </a:t>
             </a:r>
             <a:r>
-              <a:rPr lang="ko-KR" altLang="en-US"/>
+              <a:rPr lang="ko-KR" altLang="en-US">
+                <a:latin typeface="KoPub돋움체 Bold" panose="00000800000000000000" pitchFamily="2" charset="-127"/>
+                <a:ea typeface="KoPub돋움체 Bold" panose="00000800000000000000" pitchFamily="2" charset="-127"/>
+              </a:rPr>
               <a:t>보고</a:t>
             </a:r>
             <a:r>
-              <a:rPr lang="en-US" altLang="ko-KR"/>
+              <a:rPr lang="en-US" altLang="ko-KR">
+                <a:latin typeface="KoPub돋움체 Bold" panose="00000800000000000000" pitchFamily="2" charset="-127"/>
+                <a:ea typeface="KoPub돋움체 Bold" panose="00000800000000000000" pitchFamily="2" charset="-127"/>
+              </a:rPr>
               <a:t>, </a:t>
             </a:r>
             <a:r>
-              <a:rPr lang="ko-KR" altLang="en-US"/>
+              <a:rPr lang="ko-KR" altLang="en-US">
+                <a:latin typeface="KoPub돋움체 Bold" panose="00000800000000000000" pitchFamily="2" charset="-127"/>
+                <a:ea typeface="KoPub돋움체 Bold" panose="00000800000000000000" pitchFamily="2" charset="-127"/>
+              </a:rPr>
               <a:t>쓰고</a:t>
             </a:r>
             <a:r>
-              <a:rPr lang="en-US" altLang="ko-KR"/>
+              <a:rPr lang="en-US" altLang="ko-KR">
+                <a:latin typeface="KoPub돋움체 Bold" panose="00000800000000000000" pitchFamily="2" charset="-127"/>
+                <a:ea typeface="KoPub돋움체 Bold" panose="00000800000000000000" pitchFamily="2" charset="-127"/>
+              </a:rPr>
               <a:t>, </a:t>
             </a:r>
             <a:r>
-              <a:rPr lang="ko-KR" altLang="en-US"/>
+              <a:rPr lang="ko-KR" altLang="en-US">
+                <a:latin typeface="KoPub돋움체 Bold" panose="00000800000000000000" pitchFamily="2" charset="-127"/>
+                <a:ea typeface="KoPub돋움체 Bold" panose="00000800000000000000" pitchFamily="2" charset="-127"/>
+              </a:rPr>
               <a:t>번식하고</a:t>
             </a:r>
             <a:r>
-              <a:rPr lang="en-US" altLang="ko-KR"/>
+              <a:rPr lang="en-US" altLang="ko-KR">
+                <a:latin typeface="KoPub돋움체 Bold" panose="00000800000000000000" pitchFamily="2" charset="-127"/>
+                <a:ea typeface="KoPub돋움체 Bold" panose="00000800000000000000" pitchFamily="2" charset="-127"/>
+              </a:rPr>
               <a:t>, </a:t>
             </a:r>
             <a:r>
-              <a:rPr lang="ko-KR" altLang="en-US"/>
+              <a:rPr lang="ko-KR" altLang="en-US">
+                <a:latin typeface="KoPub돋움체 Bold" panose="00000800000000000000" pitchFamily="2" charset="-127"/>
+                <a:ea typeface="KoPub돋움체 Bold" panose="00000800000000000000" pitchFamily="2" charset="-127"/>
+              </a:rPr>
               <a:t>스스로의 존재를</a:t>
             </a:r>
-            <a:endParaRPr lang="en-US" altLang="ko-KR"/>
-          </a:p>
-          <a:p>
-            <a:r>
-              <a:rPr lang="ko-KR" altLang="en-US"/>
+            <a:endParaRPr lang="en-US" altLang="ko-KR">
+              <a:latin typeface="KoPub돋움체 Bold" panose="00000800000000000000" pitchFamily="2" charset="-127"/>
+              <a:ea typeface="KoPub돋움체 Bold" panose="00000800000000000000" pitchFamily="2" charset="-127"/>
+            </a:endParaRPr>
+          </a:p>
+          <a:p>
+            <a:r>
+              <a:rPr lang="ko-KR" altLang="en-US">
+                <a:latin typeface="KoPub돋움체 Bold" panose="00000800000000000000" pitchFamily="2" charset="-127"/>
+                <a:ea typeface="KoPub돋움체 Bold" panose="00000800000000000000" pitchFamily="2" charset="-127"/>
+              </a:rPr>
               <a:t>의식할 수 있는 전자 컴퓨터의 배아</a:t>
             </a:r>
             <a:r>
-              <a:rPr lang="en-US" altLang="ko-KR"/>
+              <a:rPr lang="en-US" altLang="ko-KR">
+                <a:latin typeface="KoPub돋움체 Bold" panose="00000800000000000000" pitchFamily="2" charset="-127"/>
+                <a:ea typeface="KoPub돋움체 Bold" panose="00000800000000000000" pitchFamily="2" charset="-127"/>
+              </a:rPr>
               <a:t>”</a:t>
             </a:r>
             <a:r>
-              <a:rPr lang="ko-KR" altLang="en-US"/>
+              <a:rPr lang="ko-KR" altLang="en-US">
+                <a:latin typeface="KoPub돋움체 Bold" panose="00000800000000000000" pitchFamily="2" charset="-127"/>
+                <a:ea typeface="KoPub돋움체 Bold" panose="00000800000000000000" pitchFamily="2" charset="-127"/>
+              </a:rPr>
               <a:t>라고 소개한 기사</a:t>
             </a:r>
           </a:p>
@@ -9116,8 +9721,8 @@
         </p:nvSpPr>
         <p:spPr>
           <a:xfrm>
-            <a:off x="7727222" y="5912520"/>
-            <a:ext cx="3348994" cy="646331"/>
+            <a:off x="7929200" y="5912520"/>
+            <a:ext cx="2945037" cy="646331"/>
           </a:xfrm>
           <a:prstGeom prst="rect">
             <a:avLst/>
@@ -9134,19 +9739,31 @@
           <a:p>
             <a:pPr algn="ctr"/>
             <a:r>
-              <a:rPr lang="ko-KR" altLang="en-US"/>
+              <a:rPr lang="ko-KR" altLang="en-US">
+                <a:latin typeface="KoPub돋움체 Bold" panose="00000800000000000000" pitchFamily="2" charset="-127"/>
+                <a:ea typeface="KoPub돋움체 Bold" panose="00000800000000000000" pitchFamily="2" charset="-127"/>
+              </a:rPr>
               <a:t>선형분리가 불가능한 대표적인</a:t>
             </a:r>
-            <a:endParaRPr lang="en-US" altLang="ko-KR"/>
+            <a:endParaRPr lang="en-US" altLang="ko-KR">
+              <a:latin typeface="KoPub돋움체 Bold" panose="00000800000000000000" pitchFamily="2" charset="-127"/>
+              <a:ea typeface="KoPub돋움체 Bold" panose="00000800000000000000" pitchFamily="2" charset="-127"/>
+            </a:endParaRPr>
           </a:p>
           <a:p>
             <a:pPr algn="ctr"/>
             <a:r>
-              <a:rPr lang="en-US" altLang="ko-KR"/>
+              <a:rPr lang="en-US" altLang="ko-KR">
+                <a:latin typeface="KoPub돋움체 Bold" panose="00000800000000000000" pitchFamily="2" charset="-127"/>
+                <a:ea typeface="KoPub돋움체 Bold" panose="00000800000000000000" pitchFamily="2" charset="-127"/>
+              </a:rPr>
               <a:t>XOR </a:t>
             </a:r>
             <a:r>
-              <a:rPr lang="ko-KR" altLang="en-US"/>
+              <a:rPr lang="ko-KR" altLang="en-US">
+                <a:latin typeface="KoPub돋움체 Bold" panose="00000800000000000000" pitchFamily="2" charset="-127"/>
+                <a:ea typeface="KoPub돋움체 Bold" panose="00000800000000000000" pitchFamily="2" charset="-127"/>
+              </a:rPr>
               <a:t>문제</a:t>
             </a:r>
           </a:p>
@@ -9734,7 +10351,274 @@
 </a:theme>
 </file>
 
+<file path=ppt/theme/theme2.xml><?xml version="1.0" encoding="utf-8"?>
+<a:theme xmlns:a="http://schemas.openxmlformats.org/drawingml/2006/main" name="Office 테마">
+  <a:themeElements>
+    <a:clrScheme name="Office">
+      <a:dk1>
+        <a:sysClr val="windowText" lastClr="000000"/>
+      </a:dk1>
+      <a:lt1>
+        <a:sysClr val="window" lastClr="FFFFFF"/>
+      </a:lt1>
+      <a:dk2>
+        <a:srgbClr val="44546A"/>
+      </a:dk2>
+      <a:lt2>
+        <a:srgbClr val="E7E6E6"/>
+      </a:lt2>
+      <a:accent1>
+        <a:srgbClr val="5B9BD5"/>
+      </a:accent1>
+      <a:accent2>
+        <a:srgbClr val="ED7D31"/>
+      </a:accent2>
+      <a:accent3>
+        <a:srgbClr val="A5A5A5"/>
+      </a:accent3>
+      <a:accent4>
+        <a:srgbClr val="FFC000"/>
+      </a:accent4>
+      <a:accent5>
+        <a:srgbClr val="4472C4"/>
+      </a:accent5>
+      <a:accent6>
+        <a:srgbClr val="70AD47"/>
+      </a:accent6>
+      <a:hlink>
+        <a:srgbClr val="0563C1"/>
+      </a:hlink>
+      <a:folHlink>
+        <a:srgbClr val="954F72"/>
+      </a:folHlink>
+    </a:clrScheme>
+    <a:fontScheme name="Office">
+      <a:majorFont>
+        <a:latin typeface="맑은 고딕" panose="020F0302020204030204"/>
+        <a:ea typeface=""/>
+        <a:cs typeface=""/>
+        <a:font script="Jpan" typeface="游ゴシック Light"/>
+        <a:font script="Hang" typeface="맑은 고딕"/>
+        <a:font script="Hans" typeface="等线 Light"/>
+        <a:font script="Hant" typeface="新細明體"/>
+        <a:font script="Arab" typeface="Times New Roman"/>
+        <a:font script="Hebr" typeface="Times New Roman"/>
+        <a:font script="Thai" typeface="Angsana New"/>
+        <a:font script="Ethi" typeface="Nyala"/>
+        <a:font script="Beng" typeface="Vrinda"/>
+        <a:font script="Gujr" typeface="Shruti"/>
+        <a:font script="Khmr" typeface="MoolBoran"/>
+        <a:font script="Knda" typeface="Tunga"/>
+        <a:font script="Guru" typeface="Raavi"/>
+        <a:font script="Cans" typeface="Euphemia"/>
+        <a:font script="Cher" typeface="Plantagenet Cherokee"/>
+        <a:font script="Yiii" typeface="Microsoft Yi Baiti"/>
+        <a:font script="Tibt" typeface="Microsoft Himalaya"/>
+        <a:font script="Thaa" typeface="MV Boli"/>
+        <a:font script="Deva" typeface="Mangal"/>
+        <a:font script="Telu" typeface="Gautami"/>
+        <a:font script="Taml" typeface="Latha"/>
+        <a:font script="Syrc" typeface="Estrangelo Edessa"/>
+        <a:font script="Orya" typeface="Kalinga"/>
+        <a:font script="Mlym" typeface="Kartika"/>
+        <a:font script="Laoo" typeface="DokChampa"/>
+        <a:font script="Sinh" typeface="Iskoola Pota"/>
+        <a:font script="Mong" typeface="Mongolian Baiti"/>
+        <a:font script="Viet" typeface="Times New Roman"/>
+        <a:font script="Uigh" typeface="Microsoft Uighur"/>
+        <a:font script="Geor" typeface="Sylfaen"/>
+      </a:majorFont>
+      <a:minorFont>
+        <a:latin typeface="맑은 고딕" panose="020F0502020204030204"/>
+        <a:ea typeface=""/>
+        <a:cs typeface=""/>
+        <a:font script="Jpan" typeface="游ゴシック"/>
+        <a:font script="Hang" typeface="맑은 고딕"/>
+        <a:font script="Hans" typeface="等线"/>
+        <a:font script="Hant" typeface="新細明體"/>
+        <a:font script="Arab" typeface="Arial"/>
+        <a:font script="Hebr" typeface="Arial"/>
+        <a:font script="Thai" typeface="Cordia New"/>
+        <a:font script="Ethi" typeface="Nyala"/>
+        <a:font script="Beng" typeface="Vrinda"/>
+        <a:font script="Gujr" typeface="Shruti"/>
+        <a:font script="Khmr" typeface="DaunPenh"/>
+        <a:font script="Knda" typeface="Tunga"/>
+        <a:font script="Guru" typeface="Raavi"/>
+        <a:font script="Cans" typeface="Euphemia"/>
+        <a:font script="Cher" typeface="Plantagenet Cherokee"/>
+        <a:font script="Yiii" typeface="Microsoft Yi Baiti"/>
+        <a:font script="Tibt" typeface="Microsoft Himalaya"/>
+        <a:font script="Thaa" typeface="MV Boli"/>
+        <a:font script="Deva" typeface="Mangal"/>
+        <a:font script="Telu" typeface="Gautami"/>
+        <a:font script="Taml" typeface="Latha"/>
+        <a:font script="Syrc" typeface="Estrangelo Edessa"/>
+        <a:font script="Orya" typeface="Kalinga"/>
+        <a:font script="Mlym" typeface="Kartika"/>
+        <a:font script="Laoo" typeface="DokChampa"/>
+        <a:font script="Sinh" typeface="Iskoola Pota"/>
+        <a:font script="Mong" typeface="Mongolian Baiti"/>
+        <a:font script="Viet" typeface="Arial"/>
+        <a:font script="Uigh" typeface="Microsoft Uighur"/>
+        <a:font script="Geor" typeface="Sylfaen"/>
+      </a:minorFont>
+    </a:fontScheme>
+    <a:fmtScheme name="Office">
+      <a:fillStyleLst>
+        <a:solidFill>
+          <a:schemeClr val="phClr"/>
+        </a:solidFill>
+        <a:gradFill rotWithShape="1">
+          <a:gsLst>
+            <a:gs pos="0">
+              <a:schemeClr val="phClr">
+                <a:lumMod val="110000"/>
+                <a:satMod val="105000"/>
+                <a:tint val="67000"/>
+              </a:schemeClr>
+            </a:gs>
+            <a:gs pos="50000">
+              <a:schemeClr val="phClr">
+                <a:lumMod val="105000"/>
+                <a:satMod val="103000"/>
+                <a:tint val="73000"/>
+              </a:schemeClr>
+            </a:gs>
+            <a:gs pos="100000">
+              <a:schemeClr val="phClr">
+                <a:lumMod val="105000"/>
+                <a:satMod val="109000"/>
+                <a:tint val="81000"/>
+              </a:schemeClr>
+            </a:gs>
+          </a:gsLst>
+          <a:lin ang="5400000" scaled="0"/>
+        </a:gradFill>
+        <a:gradFill rotWithShape="1">
+          <a:gsLst>
+            <a:gs pos="0">
+              <a:schemeClr val="phClr">
+                <a:satMod val="103000"/>
+                <a:lumMod val="102000"/>
+                <a:tint val="94000"/>
+              </a:schemeClr>
+            </a:gs>
+            <a:gs pos="50000">
+              <a:schemeClr val="phClr">
+                <a:satMod val="110000"/>
+                <a:lumMod val="100000"/>
+                <a:shade val="100000"/>
+              </a:schemeClr>
+            </a:gs>
+            <a:gs pos="100000">
+              <a:schemeClr val="phClr">
+                <a:lumMod val="99000"/>
+                <a:satMod val="120000"/>
+                <a:shade val="78000"/>
+              </a:schemeClr>
+            </a:gs>
+          </a:gsLst>
+          <a:lin ang="5400000" scaled="0"/>
+        </a:gradFill>
+      </a:fillStyleLst>
+      <a:lnStyleLst>
+        <a:ln w="6350" cap="flat" cmpd="sng" algn="ctr">
+          <a:solidFill>
+            <a:schemeClr val="phClr"/>
+          </a:solidFill>
+          <a:prstDash val="solid"/>
+          <a:miter lim="800000"/>
+        </a:ln>
+        <a:ln w="12700" cap="flat" cmpd="sng" algn="ctr">
+          <a:solidFill>
+            <a:schemeClr val="phClr"/>
+          </a:solidFill>
+          <a:prstDash val="solid"/>
+          <a:miter lim="800000"/>
+        </a:ln>
+        <a:ln w="19050" cap="flat" cmpd="sng" algn="ctr">
+          <a:solidFill>
+            <a:schemeClr val="phClr"/>
+          </a:solidFill>
+          <a:prstDash val="solid"/>
+          <a:miter lim="800000"/>
+        </a:ln>
+      </a:lnStyleLst>
+      <a:effectStyleLst>
+        <a:effectStyle>
+          <a:effectLst/>
+        </a:effectStyle>
+        <a:effectStyle>
+          <a:effectLst/>
+        </a:effectStyle>
+        <a:effectStyle>
+          <a:effectLst>
+            <a:outerShdw blurRad="57150" dist="19050" dir="5400000" algn="ctr" rotWithShape="0">
+              <a:srgbClr val="000000">
+                <a:alpha val="63000"/>
+              </a:srgbClr>
+            </a:outerShdw>
+          </a:effectLst>
+        </a:effectStyle>
+      </a:effectStyleLst>
+      <a:bgFillStyleLst>
+        <a:solidFill>
+          <a:schemeClr val="phClr"/>
+        </a:solidFill>
+        <a:solidFill>
+          <a:schemeClr val="phClr">
+            <a:tint val="95000"/>
+            <a:satMod val="170000"/>
+          </a:schemeClr>
+        </a:solidFill>
+        <a:gradFill rotWithShape="1">
+          <a:gsLst>
+            <a:gs pos="0">
+              <a:schemeClr val="phClr">
+                <a:tint val="93000"/>
+                <a:satMod val="150000"/>
+                <a:shade val="98000"/>
+                <a:lumMod val="102000"/>
+              </a:schemeClr>
+            </a:gs>
+            <a:gs pos="50000">
+              <a:schemeClr val="phClr">
+                <a:tint val="98000"/>
+                <a:satMod val="130000"/>
+                <a:shade val="90000"/>
+                <a:lumMod val="103000"/>
+              </a:schemeClr>
+            </a:gs>
+            <a:gs pos="100000">
+              <a:schemeClr val="phClr">
+                <a:shade val="63000"/>
+                <a:satMod val="120000"/>
+              </a:schemeClr>
+            </a:gs>
+          </a:gsLst>
+          <a:lin ang="5400000" scaled="0"/>
+        </a:gradFill>
+      </a:bgFillStyleLst>
+    </a:fmtScheme>
+  </a:themeElements>
+  <a:objectDefaults/>
+  <a:extraClrSchemeLst/>
+  <a:extLst>
+    <a:ext uri="{05A4C25C-085E-4340-85A3-A5531E510DB2}">
+      <thm15:themeFamily xmlns:thm15="http://schemas.microsoft.com/office/thememl/2012/main" name="Office Theme" id="{62F939B6-93AF-4DB8-9C6B-D6C7DFDC589F}" vid="{4A3C46E8-61CC-4603-A589-7422A47A8E4A}"/>
+    </a:ext>
+  </a:extLst>
+</a:theme>
+</file>
+
 <file path=customXml/item1.xml><?xml version="1.0" encoding="utf-8"?>
+<p:properties xmlns:p="http://schemas.microsoft.com/office/2006/metadata/properties" xmlns:xsi="http://www.w3.org/2001/XMLSchema-instance" xmlns:pc="http://schemas.microsoft.com/office/infopath/2007/PartnerControls">
+  <documentManagement/>
+</p:properties>
+</file>
+
+<file path=customXml/item2.xml><?xml version="1.0" encoding="utf-8"?>
 <ct:contentTypeSchema xmlns:ct="http://schemas.microsoft.com/office/2006/metadata/contentType" xmlns:ma="http://schemas.microsoft.com/office/2006/metadata/properties/metaAttributes" ct:_="" ma:_="" ma:contentTypeName="문서" ma:contentTypeID="0x010100CD9001B19F62244EB0C223E5B6327929" ma:contentTypeVersion="14" ma:contentTypeDescription="새 문서를 만듭니다." ma:contentTypeScope="" ma:versionID="f11a19ef31b9ec062e50611982bf3bb8">
   <xsd:schema xmlns:xsd="http://www.w3.org/2001/XMLSchema" xmlns:xs="http://www.w3.org/2001/XMLSchema" xmlns:p="http://schemas.microsoft.com/office/2006/metadata/properties" xmlns:ns3="cb095250-472f-4fff-8787-3ac483193401" xmlns:ns4="04f693b0-e847-4654-9da5-f43e5a5a7381" targetNamespace="http://schemas.microsoft.com/office/2006/metadata/properties" ma:root="true" ma:fieldsID="a29ed6aed61c2d79ff2b6215dc93fb22" ns3:_="" ns4:_="">
     <xsd:import namespace="cb095250-472f-4fff-8787-3ac483193401"/>
@@ -9963,12 +10847,6 @@
 </ct:contentTypeSchema>
 </file>
 
-<file path=customXml/item2.xml><?xml version="1.0" encoding="utf-8"?>
-<p:properties xmlns:p="http://schemas.microsoft.com/office/2006/metadata/properties" xmlns:xsi="http://www.w3.org/2001/XMLSchema-instance" xmlns:pc="http://schemas.microsoft.com/office/infopath/2007/PartnerControls">
-  <documentManagement/>
-</p:properties>
-</file>
-
 <file path=customXml/item3.xml><?xml version="1.0" encoding="utf-8"?>
 <?mso-contentType ?>
 <FormTemplates xmlns="http://schemas.microsoft.com/sharepoint/v3/contenttype/forms">
@@ -9979,6 +10857,23 @@
 </file>
 
 <file path=customXml/itemProps1.xml><?xml version="1.0" encoding="utf-8"?>
+<ds:datastoreItem xmlns:ds="http://schemas.openxmlformats.org/officeDocument/2006/customXml" ds:itemID="{7CE73EDA-2BAF-45D3-873F-45BE48DED1DB}">
+  <ds:schemaRefs>
+    <ds:schemaRef ds:uri="http://purl.org/dc/terms/"/>
+    <ds:schemaRef ds:uri="http://schemas.openxmlformats.org/package/2006/metadata/core-properties"/>
+    <ds:schemaRef ds:uri="http://schemas.microsoft.com/office/2006/documentManagement/types"/>
+    <ds:schemaRef ds:uri="http://schemas.microsoft.com/office/infopath/2007/PartnerControls"/>
+    <ds:schemaRef ds:uri="http://purl.org/dc/elements/1.1/"/>
+    <ds:schemaRef ds:uri="http://schemas.microsoft.com/office/2006/metadata/properties"/>
+    <ds:schemaRef ds:uri="04f693b0-e847-4654-9da5-f43e5a5a7381"/>
+    <ds:schemaRef ds:uri="cb095250-472f-4fff-8787-3ac483193401"/>
+    <ds:schemaRef ds:uri="http://www.w3.org/XML/1998/namespace"/>
+    <ds:schemaRef ds:uri="http://purl.org/dc/dcmitype/"/>
+  </ds:schemaRefs>
+</ds:datastoreItem>
+</file>
+
+<file path=customXml/itemProps2.xml><?xml version="1.0" encoding="utf-8"?>
 <ds:datastoreItem xmlns:ds="http://schemas.openxmlformats.org/officeDocument/2006/customXml" ds:itemID="{48BF5E0F-6B92-448B-8858-7D821A38CF0B}">
   <ds:schemaRefs>
     <ds:schemaRef ds:uri="http://schemas.microsoft.com/office/2006/metadata/contentType"/>
@@ -9997,23 +10892,6 @@
 </ds:datastoreItem>
 </file>
 
-<file path=customXml/itemProps2.xml><?xml version="1.0" encoding="utf-8"?>
-<ds:datastoreItem xmlns:ds="http://schemas.openxmlformats.org/officeDocument/2006/customXml" ds:itemID="{7CE73EDA-2BAF-45D3-873F-45BE48DED1DB}">
-  <ds:schemaRefs>
-    <ds:schemaRef ds:uri="http://purl.org/dc/terms/"/>
-    <ds:schemaRef ds:uri="http://schemas.openxmlformats.org/package/2006/metadata/core-properties"/>
-    <ds:schemaRef ds:uri="http://schemas.microsoft.com/office/2006/documentManagement/types"/>
-    <ds:schemaRef ds:uri="http://schemas.microsoft.com/office/infopath/2007/PartnerControls"/>
-    <ds:schemaRef ds:uri="http://purl.org/dc/elements/1.1/"/>
-    <ds:schemaRef ds:uri="http://schemas.microsoft.com/office/2006/metadata/properties"/>
-    <ds:schemaRef ds:uri="04f693b0-e847-4654-9da5-f43e5a5a7381"/>
-    <ds:schemaRef ds:uri="cb095250-472f-4fff-8787-3ac483193401"/>
-    <ds:schemaRef ds:uri="http://www.w3.org/XML/1998/namespace"/>
-    <ds:schemaRef ds:uri="http://purl.org/dc/dcmitype/"/>
-  </ds:schemaRefs>
-</ds:datastoreItem>
-</file>
-
 <file path=customXml/itemProps3.xml><?xml version="1.0" encoding="utf-8"?>
 <ds:datastoreItem xmlns:ds="http://schemas.openxmlformats.org/officeDocument/2006/customXml" ds:itemID="{38E59545-0701-491A-891D-68FAB941E0EF}">
   <ds:schemaRefs>
